--- a/Documentação/Caso_de_uso_Dashboard.pptx
+++ b/Documentação/Caso_de_uso_Dashboard.pptx
@@ -2,10 +2,10 @@
 <file path=ppt/presentation.xml><?xml version="1.0" encoding="utf-8"?>
 <p:presentation xmlns:a="http://schemas.openxmlformats.org/drawingml/2006/main" xmlns:r="http://schemas.openxmlformats.org/officeDocument/2006/relationships" xmlns:p="http://schemas.openxmlformats.org/presentationml/2006/main" saveSubsetFonts="1">
   <p:sldMasterIdLst>
-    <p:sldMasterId id="2147483648" r:id="rId1"/>
+    <p:sldMasterId id="2147483648" r:id="rId4"/>
   </p:sldMasterIdLst>
   <p:sldIdLst>
-    <p:sldId id="256" r:id="rId2"/>
+    <p:sldId id="256" r:id="rId5"/>
   </p:sldIdLst>
   <p:sldSz cx="12192000" cy="6858000"/>
   <p:notesSz cx="6858000" cy="9144000"/>
@@ -104,6 +104,11 @@
       </a:defRPr>
     </a:lvl9pPr>
   </p:defaultTextStyle>
+  <p:extLst>
+    <p:ext uri="{EFAFB233-063F-42B5-8137-9DF3F51BA10A}">
+      <p15:sldGuideLst xmlns:p15="http://schemas.microsoft.com/office/powerpoint/2012/main"/>
+    </p:ext>
+  </p:extLst>
 </p:presentation>
 </file>
 
@@ -238,7 +243,7 @@
           <a:p>
             <a:fld id="{5A27CA55-FB04-41AE-8CF2-F9DC46D86FA6}" type="datetimeFigureOut">
               <a:rPr lang="en-US" smtClean="0"/>
-              <a:t>10/2/2019</a:t>
+              <a:t>10/18/2019</a:t>
             </a:fld>
             <a:endParaRPr lang="en-US"/>
           </a:p>
@@ -408,7 +413,7 @@
           <a:p>
             <a:fld id="{5A27CA55-FB04-41AE-8CF2-F9DC46D86FA6}" type="datetimeFigureOut">
               <a:rPr lang="en-US" smtClean="0"/>
-              <a:t>10/2/2019</a:t>
+              <a:t>10/18/2019</a:t>
             </a:fld>
             <a:endParaRPr lang="en-US"/>
           </a:p>
@@ -588,7 +593,7 @@
           <a:p>
             <a:fld id="{5A27CA55-FB04-41AE-8CF2-F9DC46D86FA6}" type="datetimeFigureOut">
               <a:rPr lang="en-US" smtClean="0"/>
-              <a:t>10/2/2019</a:t>
+              <a:t>10/18/2019</a:t>
             </a:fld>
             <a:endParaRPr lang="en-US"/>
           </a:p>
@@ -758,7 +763,7 @@
           <a:p>
             <a:fld id="{5A27CA55-FB04-41AE-8CF2-F9DC46D86FA6}" type="datetimeFigureOut">
               <a:rPr lang="en-US" smtClean="0"/>
-              <a:t>10/2/2019</a:t>
+              <a:t>10/18/2019</a:t>
             </a:fld>
             <a:endParaRPr lang="en-US"/>
           </a:p>
@@ -1004,7 +1009,7 @@
           <a:p>
             <a:fld id="{5A27CA55-FB04-41AE-8CF2-F9DC46D86FA6}" type="datetimeFigureOut">
               <a:rPr lang="en-US" smtClean="0"/>
-              <a:t>10/2/2019</a:t>
+              <a:t>10/18/2019</a:t>
             </a:fld>
             <a:endParaRPr lang="en-US"/>
           </a:p>
@@ -1236,7 +1241,7 @@
           <a:p>
             <a:fld id="{5A27CA55-FB04-41AE-8CF2-F9DC46D86FA6}" type="datetimeFigureOut">
               <a:rPr lang="en-US" smtClean="0"/>
-              <a:t>10/2/2019</a:t>
+              <a:t>10/18/2019</a:t>
             </a:fld>
             <a:endParaRPr lang="en-US"/>
           </a:p>
@@ -1603,7 +1608,7 @@
           <a:p>
             <a:fld id="{5A27CA55-FB04-41AE-8CF2-F9DC46D86FA6}" type="datetimeFigureOut">
               <a:rPr lang="en-US" smtClean="0"/>
-              <a:t>10/2/2019</a:t>
+              <a:t>10/18/2019</a:t>
             </a:fld>
             <a:endParaRPr lang="en-US"/>
           </a:p>
@@ -1721,7 +1726,7 @@
           <a:p>
             <a:fld id="{5A27CA55-FB04-41AE-8CF2-F9DC46D86FA6}" type="datetimeFigureOut">
               <a:rPr lang="en-US" smtClean="0"/>
-              <a:t>10/2/2019</a:t>
+              <a:t>10/18/2019</a:t>
             </a:fld>
             <a:endParaRPr lang="en-US"/>
           </a:p>
@@ -1816,7 +1821,7 @@
           <a:p>
             <a:fld id="{5A27CA55-FB04-41AE-8CF2-F9DC46D86FA6}" type="datetimeFigureOut">
               <a:rPr lang="en-US" smtClean="0"/>
-              <a:t>10/2/2019</a:t>
+              <a:t>10/18/2019</a:t>
             </a:fld>
             <a:endParaRPr lang="en-US"/>
           </a:p>
@@ -2093,7 +2098,7 @@
           <a:p>
             <a:fld id="{5A27CA55-FB04-41AE-8CF2-F9DC46D86FA6}" type="datetimeFigureOut">
               <a:rPr lang="en-US" smtClean="0"/>
-              <a:t>10/2/2019</a:t>
+              <a:t>10/18/2019</a:t>
             </a:fld>
             <a:endParaRPr lang="en-US"/>
           </a:p>
@@ -2346,7 +2351,7 @@
           <a:p>
             <a:fld id="{5A27CA55-FB04-41AE-8CF2-F9DC46D86FA6}" type="datetimeFigureOut">
               <a:rPr lang="en-US" smtClean="0"/>
-              <a:t>10/2/2019</a:t>
+              <a:t>10/18/2019</a:t>
             </a:fld>
             <a:endParaRPr lang="en-US"/>
           </a:p>
@@ -2559,7 +2564,7 @@
           <a:p>
             <a:fld id="{5A27CA55-FB04-41AE-8CF2-F9DC46D86FA6}" type="datetimeFigureOut">
               <a:rPr lang="en-US" smtClean="0"/>
-              <a:t>10/2/2019</a:t>
+              <a:t>10/18/2019</a:t>
             </a:fld>
             <a:endParaRPr lang="en-US"/>
           </a:p>
@@ -4029,7 +4034,11 @@
           <a:p>
             <a:r>
               <a:rPr lang="pt-BR" dirty="0" smtClean="0"/>
-              <a:t>Visualiza gráficos e Tabelas</a:t>
+              <a:t>Visualizar gráficos </a:t>
+            </a:r>
+            <a:r>
+              <a:rPr lang="pt-BR" dirty="0" smtClean="0"/>
+              <a:t>e Tabelas</a:t>
             </a:r>
             <a:endParaRPr lang="en-US" dirty="0"/>
           </a:p>
@@ -4059,7 +4068,11 @@
           <a:p>
             <a:r>
               <a:rPr lang="pt-BR" dirty="0" smtClean="0"/>
-              <a:t>Seleciona período</a:t>
+              <a:t>Selecionar </a:t>
+            </a:r>
+            <a:r>
+              <a:rPr lang="pt-BR" dirty="0" smtClean="0"/>
+              <a:t>período</a:t>
             </a:r>
             <a:endParaRPr lang="en-US" dirty="0"/>
           </a:p>
@@ -4089,7 +4102,13 @@
           <a:p>
             <a:r>
               <a:rPr lang="pt-BR" dirty="0" smtClean="0"/>
-              <a:t>Gera relatórios</a:t>
+              <a:t>Gerar</a:t>
+            </a:r>
+          </a:p>
+          <a:p>
+            <a:r>
+              <a:rPr lang="pt-BR" dirty="0" smtClean="0"/>
+              <a:t>relatórios</a:t>
             </a:r>
             <a:endParaRPr lang="en-US" dirty="0"/>
           </a:p>
@@ -4149,7 +4168,19 @@
           <a:p>
             <a:r>
               <a:rPr lang="pt-BR" dirty="0" smtClean="0"/>
-              <a:t>Visualiza equipes de todos gestores</a:t>
+              <a:t>Visualizar </a:t>
+            </a:r>
+            <a:r>
+              <a:rPr lang="pt-BR" dirty="0" smtClean="0"/>
+              <a:t>equipes </a:t>
+            </a:r>
+            <a:r>
+              <a:rPr lang="pt-BR" dirty="0" smtClean="0"/>
+              <a:t>de todos </a:t>
+            </a:r>
+            <a:r>
+              <a:rPr lang="pt-BR" dirty="0" smtClean="0"/>
+              <a:t>gestores</a:t>
             </a:r>
           </a:p>
           <a:p>
@@ -4195,7 +4226,7 @@
         </p:nvSpPr>
         <p:spPr>
           <a:xfrm>
-            <a:off x="1532722" y="6086296"/>
+            <a:off x="1680186" y="5896885"/>
             <a:ext cx="1499764" cy="378822"/>
           </a:xfrm>
           <a:prstGeom prst="rect">
@@ -4211,7 +4242,7 @@
           <a:p>
             <a:r>
               <a:rPr lang="pt-BR" dirty="0" smtClean="0"/>
-              <a:t>Sócio/CEO</a:t>
+              <a:t>Gerente</a:t>
             </a:r>
             <a:endParaRPr lang="en-US" dirty="0"/>
           </a:p>
@@ -4266,7 +4297,7 @@
         </p:nvSpPr>
         <p:spPr>
           <a:xfrm>
-            <a:off x="7758045" y="4576362"/>
+            <a:off x="7771108" y="4576362"/>
             <a:ext cx="1423852" cy="646331"/>
           </a:xfrm>
           <a:prstGeom prst="rect">
@@ -4282,7 +4313,11 @@
           <a:p>
             <a:r>
               <a:rPr lang="pt-BR" dirty="0" smtClean="0"/>
-              <a:t>Selecionar equipe</a:t>
+              <a:t>Selecionar </a:t>
+            </a:r>
+            <a:r>
+              <a:rPr lang="pt-BR" dirty="0" smtClean="0"/>
+              <a:t>equipe</a:t>
             </a:r>
             <a:endParaRPr lang="en-US" dirty="0"/>
           </a:p>
@@ -4797,6 +4832,12 @@
 </file>
 
 <file path=customXml/item2.xml><?xml version="1.0" encoding="utf-8"?>
+<p:properties xmlns:p="http://schemas.microsoft.com/office/2006/metadata/properties" xmlns:xsi="http://www.w3.org/2001/XMLSchema-instance" xmlns:pc="http://schemas.microsoft.com/office/infopath/2007/PartnerControls">
+  <documentManagement/>
+</p:properties>
+</file>
+
+<file path=customXml/item3.xml><?xml version="1.0" encoding="utf-8"?>
 <?mso-contentType ?>
 <FormTemplates xmlns="http://schemas.microsoft.com/sharepoint/v3/contenttype/forms">
   <Display>DocumentLibraryForm</Display>
@@ -4805,20 +4846,37 @@
 </FormTemplates>
 </file>
 
-<file path=customXml/item3.xml><?xml version="1.0" encoding="utf-8"?>
-<p:properties xmlns:p="http://schemas.microsoft.com/office/2006/metadata/properties" xmlns:xsi="http://www.w3.org/2001/XMLSchema-instance" xmlns:pc="http://schemas.microsoft.com/office/infopath/2007/PartnerControls">
-  <documentManagement/>
-</p:properties>
-</file>
-
 <file path=customXml/itemProps1.xml><?xml version="1.0" encoding="utf-8"?>
-<ds:datastoreItem xmlns:ds="http://schemas.openxmlformats.org/officeDocument/2006/customXml" ds:itemID="{FD607DD4-FDFA-40A3-80E0-3BFA586B6237}"/>
+<ds:datastoreItem xmlns:ds="http://schemas.openxmlformats.org/officeDocument/2006/customXml" ds:itemID="{FD607DD4-FDFA-40A3-80E0-3BFA586B6237}">
+  <ds:schemaRefs>
+    <ds:schemaRef ds:uri="http://schemas.microsoft.com/office/2006/metadata/contentType"/>
+    <ds:schemaRef ds:uri="http://schemas.microsoft.com/office/2006/metadata/properties/metaAttributes"/>
+    <ds:schemaRef ds:uri="http://www.w3.org/2001/XMLSchema"/>
+    <ds:schemaRef ds:uri="http://schemas.microsoft.com/office/2006/metadata/properties"/>
+    <ds:schemaRef ds:uri="be2b4223-36fe-405e-863b-49c6636b162e"/>
+    <ds:schemaRef ds:uri="http://schemas.microsoft.com/office/2006/documentManagement/types"/>
+    <ds:schemaRef ds:uri="http://schemas.microsoft.com/office/infopath/2007/PartnerControls"/>
+    <ds:schemaRef ds:uri="http://schemas.openxmlformats.org/package/2006/metadata/core-properties"/>
+    <ds:schemaRef ds:uri="http://purl.org/dc/elements/1.1/"/>
+    <ds:schemaRef ds:uri="http://purl.org/dc/terms/"/>
+    <ds:schemaRef ds:uri="http://schemas.microsoft.com/internal/obd"/>
+  </ds:schemaRefs>
+</ds:datastoreItem>
 </file>
 
 <file path=customXml/itemProps2.xml><?xml version="1.0" encoding="utf-8"?>
-<ds:datastoreItem xmlns:ds="http://schemas.openxmlformats.org/officeDocument/2006/customXml" ds:itemID="{0AF1DED9-B296-4102-B2E7-6FC83118FF5F}"/>
+<ds:datastoreItem xmlns:ds="http://schemas.openxmlformats.org/officeDocument/2006/customXml" ds:itemID="{201DCA8B-206E-419D-80BC-8E9AC51C4E6C}">
+  <ds:schemaRefs>
+    <ds:schemaRef ds:uri="http://schemas.microsoft.com/office/2006/metadata/properties"/>
+    <ds:schemaRef ds:uri="http://schemas.microsoft.com/office/infopath/2007/PartnerControls"/>
+  </ds:schemaRefs>
+</ds:datastoreItem>
 </file>
 
 <file path=customXml/itemProps3.xml><?xml version="1.0" encoding="utf-8"?>
-<ds:datastoreItem xmlns:ds="http://schemas.openxmlformats.org/officeDocument/2006/customXml" ds:itemID="{201DCA8B-206E-419D-80BC-8E9AC51C4E6C}"/>
+<ds:datastoreItem xmlns:ds="http://schemas.openxmlformats.org/officeDocument/2006/customXml" ds:itemID="{0AF1DED9-B296-4102-B2E7-6FC83118FF5F}">
+  <ds:schemaRefs>
+    <ds:schemaRef ds:uri="http://schemas.microsoft.com/sharepoint/v3/contenttype/forms"/>
+  </ds:schemaRefs>
+</ds:datastoreItem>
 </file>
--- a/Documentação/Caso_de_uso_Dashboard.pptx
+++ b/Documentação/Caso_de_uso_Dashboard.pptx
@@ -154,10 +154,9 @@
           </a:lstStyle>
           <a:p>
             <a:r>
-              <a:rPr lang="en-US" smtClean="0"/>
+              <a:rPr lang="en-US"/>
               <a:t>Click to edit Master title style</a:t>
             </a:r>
-            <a:endParaRPr lang="en-US"/>
           </a:p>
         </p:txBody>
       </p:sp>
@@ -219,10 +218,9 @@
           </a:lstStyle>
           <a:p>
             <a:r>
-              <a:rPr lang="en-US" smtClean="0"/>
+              <a:rPr lang="en-US"/>
               <a:t>Click to edit Master subtitle style</a:t>
             </a:r>
-            <a:endParaRPr lang="en-US"/>
           </a:p>
         </p:txBody>
       </p:sp>
@@ -243,7 +241,7 @@
           <a:p>
             <a:fld id="{5A27CA55-FB04-41AE-8CF2-F9DC46D86FA6}" type="datetimeFigureOut">
               <a:rPr lang="en-US" smtClean="0"/>
-              <a:t>10/18/2019</a:t>
+              <a:t>10/30/2019</a:t>
             </a:fld>
             <a:endParaRPr lang="en-US"/>
           </a:p>
@@ -285,7 +283,7 @@
           <a:p>
             <a:fld id="{01CB37D2-AF2B-4E2A-9BAB-CF8C26BD4435}" type="slidenum">
               <a:rPr lang="en-US" smtClean="0"/>
-              <a:t>‹#›</a:t>
+              <a:t>‹nº›</a:t>
             </a:fld>
             <a:endParaRPr lang="en-US"/>
           </a:p>
@@ -337,10 +335,9 @@
           <a:lstStyle/>
           <a:p>
             <a:r>
-              <a:rPr lang="en-US" smtClean="0"/>
+              <a:rPr lang="en-US"/>
               <a:t>Click to edit Master title style</a:t>
             </a:r>
-            <a:endParaRPr lang="en-US"/>
           </a:p>
         </p:txBody>
       </p:sp>
@@ -361,38 +358,37 @@
           <a:p>
             <a:pPr lvl="0"/>
             <a:r>
-              <a:rPr lang="en-US" smtClean="0"/>
+              <a:rPr lang="en-US"/>
               <a:t>Edit Master text styles</a:t>
             </a:r>
           </a:p>
           <a:p>
             <a:pPr lvl="1"/>
             <a:r>
-              <a:rPr lang="en-US" smtClean="0"/>
+              <a:rPr lang="en-US"/>
               <a:t>Second level</a:t>
             </a:r>
           </a:p>
           <a:p>
             <a:pPr lvl="2"/>
             <a:r>
-              <a:rPr lang="en-US" smtClean="0"/>
+              <a:rPr lang="en-US"/>
               <a:t>Third level</a:t>
             </a:r>
           </a:p>
           <a:p>
             <a:pPr lvl="3"/>
             <a:r>
-              <a:rPr lang="en-US" smtClean="0"/>
+              <a:rPr lang="en-US"/>
               <a:t>Fourth level</a:t>
             </a:r>
           </a:p>
           <a:p>
             <a:pPr lvl="4"/>
             <a:r>
-              <a:rPr lang="en-US" smtClean="0"/>
+              <a:rPr lang="en-US"/>
               <a:t>Fifth level</a:t>
             </a:r>
-            <a:endParaRPr lang="en-US"/>
           </a:p>
         </p:txBody>
       </p:sp>
@@ -413,7 +409,7 @@
           <a:p>
             <a:fld id="{5A27CA55-FB04-41AE-8CF2-F9DC46D86FA6}" type="datetimeFigureOut">
               <a:rPr lang="en-US" smtClean="0"/>
-              <a:t>10/18/2019</a:t>
+              <a:t>10/30/2019</a:t>
             </a:fld>
             <a:endParaRPr lang="en-US"/>
           </a:p>
@@ -455,7 +451,7 @@
           <a:p>
             <a:fld id="{01CB37D2-AF2B-4E2A-9BAB-CF8C26BD4435}" type="slidenum">
               <a:rPr lang="en-US" smtClean="0"/>
-              <a:t>‹#›</a:t>
+              <a:t>‹nº›</a:t>
             </a:fld>
             <a:endParaRPr lang="en-US"/>
           </a:p>
@@ -512,10 +508,9 @@
           <a:lstStyle/>
           <a:p>
             <a:r>
-              <a:rPr lang="en-US" smtClean="0"/>
+              <a:rPr lang="en-US"/>
               <a:t>Click to edit Master title style</a:t>
             </a:r>
-            <a:endParaRPr lang="en-US"/>
           </a:p>
         </p:txBody>
       </p:sp>
@@ -541,38 +536,37 @@
           <a:p>
             <a:pPr lvl="0"/>
             <a:r>
-              <a:rPr lang="en-US" smtClean="0"/>
+              <a:rPr lang="en-US"/>
               <a:t>Edit Master text styles</a:t>
             </a:r>
           </a:p>
           <a:p>
             <a:pPr lvl="1"/>
             <a:r>
-              <a:rPr lang="en-US" smtClean="0"/>
+              <a:rPr lang="en-US"/>
               <a:t>Second level</a:t>
             </a:r>
           </a:p>
           <a:p>
             <a:pPr lvl="2"/>
             <a:r>
-              <a:rPr lang="en-US" smtClean="0"/>
+              <a:rPr lang="en-US"/>
               <a:t>Third level</a:t>
             </a:r>
           </a:p>
           <a:p>
             <a:pPr lvl="3"/>
             <a:r>
-              <a:rPr lang="en-US" smtClean="0"/>
+              <a:rPr lang="en-US"/>
               <a:t>Fourth level</a:t>
             </a:r>
           </a:p>
           <a:p>
             <a:pPr lvl="4"/>
             <a:r>
-              <a:rPr lang="en-US" smtClean="0"/>
+              <a:rPr lang="en-US"/>
               <a:t>Fifth level</a:t>
             </a:r>
-            <a:endParaRPr lang="en-US"/>
           </a:p>
         </p:txBody>
       </p:sp>
@@ -593,7 +587,7 @@
           <a:p>
             <a:fld id="{5A27CA55-FB04-41AE-8CF2-F9DC46D86FA6}" type="datetimeFigureOut">
               <a:rPr lang="en-US" smtClean="0"/>
-              <a:t>10/18/2019</a:t>
+              <a:t>10/30/2019</a:t>
             </a:fld>
             <a:endParaRPr lang="en-US"/>
           </a:p>
@@ -635,7 +629,7 @@
           <a:p>
             <a:fld id="{01CB37D2-AF2B-4E2A-9BAB-CF8C26BD4435}" type="slidenum">
               <a:rPr lang="en-US" smtClean="0"/>
-              <a:t>‹#›</a:t>
+              <a:t>‹nº›</a:t>
             </a:fld>
             <a:endParaRPr lang="en-US"/>
           </a:p>
@@ -687,10 +681,9 @@
           <a:lstStyle/>
           <a:p>
             <a:r>
-              <a:rPr lang="en-US" smtClean="0"/>
+              <a:rPr lang="en-US"/>
               <a:t>Click to edit Master title style</a:t>
             </a:r>
-            <a:endParaRPr lang="en-US"/>
           </a:p>
         </p:txBody>
       </p:sp>
@@ -711,38 +704,37 @@
           <a:p>
             <a:pPr lvl="0"/>
             <a:r>
-              <a:rPr lang="en-US" smtClean="0"/>
+              <a:rPr lang="en-US"/>
               <a:t>Edit Master text styles</a:t>
             </a:r>
           </a:p>
           <a:p>
             <a:pPr lvl="1"/>
             <a:r>
-              <a:rPr lang="en-US" smtClean="0"/>
+              <a:rPr lang="en-US"/>
               <a:t>Second level</a:t>
             </a:r>
           </a:p>
           <a:p>
             <a:pPr lvl="2"/>
             <a:r>
-              <a:rPr lang="en-US" smtClean="0"/>
+              <a:rPr lang="en-US"/>
               <a:t>Third level</a:t>
             </a:r>
           </a:p>
           <a:p>
             <a:pPr lvl="3"/>
             <a:r>
-              <a:rPr lang="en-US" smtClean="0"/>
+              <a:rPr lang="en-US"/>
               <a:t>Fourth level</a:t>
             </a:r>
           </a:p>
           <a:p>
             <a:pPr lvl="4"/>
             <a:r>
-              <a:rPr lang="en-US" smtClean="0"/>
+              <a:rPr lang="en-US"/>
               <a:t>Fifth level</a:t>
             </a:r>
-            <a:endParaRPr lang="en-US"/>
           </a:p>
         </p:txBody>
       </p:sp>
@@ -763,7 +755,7 @@
           <a:p>
             <a:fld id="{5A27CA55-FB04-41AE-8CF2-F9DC46D86FA6}" type="datetimeFigureOut">
               <a:rPr lang="en-US" smtClean="0"/>
-              <a:t>10/18/2019</a:t>
+              <a:t>10/30/2019</a:t>
             </a:fld>
             <a:endParaRPr lang="en-US"/>
           </a:p>
@@ -805,7 +797,7 @@
           <a:p>
             <a:fld id="{01CB37D2-AF2B-4E2A-9BAB-CF8C26BD4435}" type="slidenum">
               <a:rPr lang="en-US" smtClean="0"/>
-              <a:t>‹#›</a:t>
+              <a:t>‹nº›</a:t>
             </a:fld>
             <a:endParaRPr lang="en-US"/>
           </a:p>
@@ -866,10 +858,9 @@
           </a:lstStyle>
           <a:p>
             <a:r>
-              <a:rPr lang="en-US" smtClean="0"/>
+              <a:rPr lang="en-US"/>
               <a:t>Click to edit Master title style</a:t>
             </a:r>
-            <a:endParaRPr lang="en-US"/>
           </a:p>
         </p:txBody>
       </p:sp>
@@ -986,7 +977,7 @@
           <a:p>
             <a:pPr lvl="0"/>
             <a:r>
-              <a:rPr lang="en-US" smtClean="0"/>
+              <a:rPr lang="en-US"/>
               <a:t>Edit Master text styles</a:t>
             </a:r>
           </a:p>
@@ -1009,7 +1000,7 @@
           <a:p>
             <a:fld id="{5A27CA55-FB04-41AE-8CF2-F9DC46D86FA6}" type="datetimeFigureOut">
               <a:rPr lang="en-US" smtClean="0"/>
-              <a:t>10/18/2019</a:t>
+              <a:t>10/30/2019</a:t>
             </a:fld>
             <a:endParaRPr lang="en-US"/>
           </a:p>
@@ -1051,7 +1042,7 @@
           <a:p>
             <a:fld id="{01CB37D2-AF2B-4E2A-9BAB-CF8C26BD4435}" type="slidenum">
               <a:rPr lang="en-US" smtClean="0"/>
-              <a:t>‹#›</a:t>
+              <a:t>‹nº›</a:t>
             </a:fld>
             <a:endParaRPr lang="en-US"/>
           </a:p>
@@ -1103,10 +1094,9 @@
           <a:lstStyle/>
           <a:p>
             <a:r>
-              <a:rPr lang="en-US" smtClean="0"/>
+              <a:rPr lang="en-US"/>
               <a:t>Click to edit Master title style</a:t>
             </a:r>
-            <a:endParaRPr lang="en-US"/>
           </a:p>
         </p:txBody>
       </p:sp>
@@ -1132,38 +1122,37 @@
           <a:p>
             <a:pPr lvl="0"/>
             <a:r>
-              <a:rPr lang="en-US" smtClean="0"/>
+              <a:rPr lang="en-US"/>
               <a:t>Edit Master text styles</a:t>
             </a:r>
           </a:p>
           <a:p>
             <a:pPr lvl="1"/>
             <a:r>
-              <a:rPr lang="en-US" smtClean="0"/>
+              <a:rPr lang="en-US"/>
               <a:t>Second level</a:t>
             </a:r>
           </a:p>
           <a:p>
             <a:pPr lvl="2"/>
             <a:r>
-              <a:rPr lang="en-US" smtClean="0"/>
+              <a:rPr lang="en-US"/>
               <a:t>Third level</a:t>
             </a:r>
           </a:p>
           <a:p>
             <a:pPr lvl="3"/>
             <a:r>
-              <a:rPr lang="en-US" smtClean="0"/>
+              <a:rPr lang="en-US"/>
               <a:t>Fourth level</a:t>
             </a:r>
           </a:p>
           <a:p>
             <a:pPr lvl="4"/>
             <a:r>
-              <a:rPr lang="en-US" smtClean="0"/>
+              <a:rPr lang="en-US"/>
               <a:t>Fifth level</a:t>
             </a:r>
-            <a:endParaRPr lang="en-US"/>
           </a:p>
         </p:txBody>
       </p:sp>
@@ -1189,38 +1178,37 @@
           <a:p>
             <a:pPr lvl="0"/>
             <a:r>
-              <a:rPr lang="en-US" smtClean="0"/>
+              <a:rPr lang="en-US"/>
               <a:t>Edit Master text styles</a:t>
             </a:r>
           </a:p>
           <a:p>
             <a:pPr lvl="1"/>
             <a:r>
-              <a:rPr lang="en-US" smtClean="0"/>
+              <a:rPr lang="en-US"/>
               <a:t>Second level</a:t>
             </a:r>
           </a:p>
           <a:p>
             <a:pPr lvl="2"/>
             <a:r>
-              <a:rPr lang="en-US" smtClean="0"/>
+              <a:rPr lang="en-US"/>
               <a:t>Third level</a:t>
             </a:r>
           </a:p>
           <a:p>
             <a:pPr lvl="3"/>
             <a:r>
-              <a:rPr lang="en-US" smtClean="0"/>
+              <a:rPr lang="en-US"/>
               <a:t>Fourth level</a:t>
             </a:r>
           </a:p>
           <a:p>
             <a:pPr lvl="4"/>
             <a:r>
-              <a:rPr lang="en-US" smtClean="0"/>
+              <a:rPr lang="en-US"/>
               <a:t>Fifth level</a:t>
             </a:r>
-            <a:endParaRPr lang="en-US"/>
           </a:p>
         </p:txBody>
       </p:sp>
@@ -1241,7 +1229,7 @@
           <a:p>
             <a:fld id="{5A27CA55-FB04-41AE-8CF2-F9DC46D86FA6}" type="datetimeFigureOut">
               <a:rPr lang="en-US" smtClean="0"/>
-              <a:t>10/18/2019</a:t>
+              <a:t>10/30/2019</a:t>
             </a:fld>
             <a:endParaRPr lang="en-US"/>
           </a:p>
@@ -1283,7 +1271,7 @@
           <a:p>
             <a:fld id="{01CB37D2-AF2B-4E2A-9BAB-CF8C26BD4435}" type="slidenum">
               <a:rPr lang="en-US" smtClean="0"/>
-              <a:t>‹#›</a:t>
+              <a:t>‹nº›</a:t>
             </a:fld>
             <a:endParaRPr lang="en-US"/>
           </a:p>
@@ -1340,10 +1328,9 @@
           <a:lstStyle/>
           <a:p>
             <a:r>
-              <a:rPr lang="en-US" smtClean="0"/>
+              <a:rPr lang="en-US"/>
               <a:t>Click to edit Master title style</a:t>
             </a:r>
-            <a:endParaRPr lang="en-US"/>
           </a:p>
         </p:txBody>
       </p:sp>
@@ -1406,7 +1393,7 @@
           <a:p>
             <a:pPr lvl="0"/>
             <a:r>
-              <a:rPr lang="en-US" smtClean="0"/>
+              <a:rPr lang="en-US"/>
               <a:t>Edit Master text styles</a:t>
             </a:r>
           </a:p>
@@ -1434,38 +1421,37 @@
           <a:p>
             <a:pPr lvl="0"/>
             <a:r>
-              <a:rPr lang="en-US" smtClean="0"/>
+              <a:rPr lang="en-US"/>
               <a:t>Edit Master text styles</a:t>
             </a:r>
           </a:p>
           <a:p>
             <a:pPr lvl="1"/>
             <a:r>
-              <a:rPr lang="en-US" smtClean="0"/>
+              <a:rPr lang="en-US"/>
               <a:t>Second level</a:t>
             </a:r>
           </a:p>
           <a:p>
             <a:pPr lvl="2"/>
             <a:r>
-              <a:rPr lang="en-US" smtClean="0"/>
+              <a:rPr lang="en-US"/>
               <a:t>Third level</a:t>
             </a:r>
           </a:p>
           <a:p>
             <a:pPr lvl="3"/>
             <a:r>
-              <a:rPr lang="en-US" smtClean="0"/>
+              <a:rPr lang="en-US"/>
               <a:t>Fourth level</a:t>
             </a:r>
           </a:p>
           <a:p>
             <a:pPr lvl="4"/>
             <a:r>
-              <a:rPr lang="en-US" smtClean="0"/>
+              <a:rPr lang="en-US"/>
               <a:t>Fifth level</a:t>
             </a:r>
-            <a:endParaRPr lang="en-US"/>
           </a:p>
         </p:txBody>
       </p:sp>
@@ -1528,7 +1514,7 @@
           <a:p>
             <a:pPr lvl="0"/>
             <a:r>
-              <a:rPr lang="en-US" smtClean="0"/>
+              <a:rPr lang="en-US"/>
               <a:t>Edit Master text styles</a:t>
             </a:r>
           </a:p>
@@ -1556,38 +1542,37 @@
           <a:p>
             <a:pPr lvl="0"/>
             <a:r>
-              <a:rPr lang="en-US" smtClean="0"/>
+              <a:rPr lang="en-US"/>
               <a:t>Edit Master text styles</a:t>
             </a:r>
           </a:p>
           <a:p>
             <a:pPr lvl="1"/>
             <a:r>
-              <a:rPr lang="en-US" smtClean="0"/>
+              <a:rPr lang="en-US"/>
               <a:t>Second level</a:t>
             </a:r>
           </a:p>
           <a:p>
             <a:pPr lvl="2"/>
             <a:r>
-              <a:rPr lang="en-US" smtClean="0"/>
+              <a:rPr lang="en-US"/>
               <a:t>Third level</a:t>
             </a:r>
           </a:p>
           <a:p>
             <a:pPr lvl="3"/>
             <a:r>
-              <a:rPr lang="en-US" smtClean="0"/>
+              <a:rPr lang="en-US"/>
               <a:t>Fourth level</a:t>
             </a:r>
           </a:p>
           <a:p>
             <a:pPr lvl="4"/>
             <a:r>
-              <a:rPr lang="en-US" smtClean="0"/>
+              <a:rPr lang="en-US"/>
               <a:t>Fifth level</a:t>
             </a:r>
-            <a:endParaRPr lang="en-US"/>
           </a:p>
         </p:txBody>
       </p:sp>
@@ -1608,7 +1593,7 @@
           <a:p>
             <a:fld id="{5A27CA55-FB04-41AE-8CF2-F9DC46D86FA6}" type="datetimeFigureOut">
               <a:rPr lang="en-US" smtClean="0"/>
-              <a:t>10/18/2019</a:t>
+              <a:t>10/30/2019</a:t>
             </a:fld>
             <a:endParaRPr lang="en-US"/>
           </a:p>
@@ -1650,7 +1635,7 @@
           <a:p>
             <a:fld id="{01CB37D2-AF2B-4E2A-9BAB-CF8C26BD4435}" type="slidenum">
               <a:rPr lang="en-US" smtClean="0"/>
-              <a:t>‹#›</a:t>
+              <a:t>‹nº›</a:t>
             </a:fld>
             <a:endParaRPr lang="en-US"/>
           </a:p>
@@ -1702,10 +1687,9 @@
           <a:lstStyle/>
           <a:p>
             <a:r>
-              <a:rPr lang="en-US" smtClean="0"/>
+              <a:rPr lang="en-US"/>
               <a:t>Click to edit Master title style</a:t>
             </a:r>
-            <a:endParaRPr lang="en-US"/>
           </a:p>
         </p:txBody>
       </p:sp>
@@ -1726,7 +1710,7 @@
           <a:p>
             <a:fld id="{5A27CA55-FB04-41AE-8CF2-F9DC46D86FA6}" type="datetimeFigureOut">
               <a:rPr lang="en-US" smtClean="0"/>
-              <a:t>10/18/2019</a:t>
+              <a:t>10/30/2019</a:t>
             </a:fld>
             <a:endParaRPr lang="en-US"/>
           </a:p>
@@ -1768,7 +1752,7 @@
           <a:p>
             <a:fld id="{01CB37D2-AF2B-4E2A-9BAB-CF8C26BD4435}" type="slidenum">
               <a:rPr lang="en-US" smtClean="0"/>
-              <a:t>‹#›</a:t>
+              <a:t>‹nº›</a:t>
             </a:fld>
             <a:endParaRPr lang="en-US"/>
           </a:p>
@@ -1821,7 +1805,7 @@
           <a:p>
             <a:fld id="{5A27CA55-FB04-41AE-8CF2-F9DC46D86FA6}" type="datetimeFigureOut">
               <a:rPr lang="en-US" smtClean="0"/>
-              <a:t>10/18/2019</a:t>
+              <a:t>10/30/2019</a:t>
             </a:fld>
             <a:endParaRPr lang="en-US"/>
           </a:p>
@@ -1863,7 +1847,7 @@
           <a:p>
             <a:fld id="{01CB37D2-AF2B-4E2A-9BAB-CF8C26BD4435}" type="slidenum">
               <a:rPr lang="en-US" smtClean="0"/>
-              <a:t>‹#›</a:t>
+              <a:t>‹nº›</a:t>
             </a:fld>
             <a:endParaRPr lang="en-US"/>
           </a:p>
@@ -1924,10 +1908,9 @@
           </a:lstStyle>
           <a:p>
             <a:r>
-              <a:rPr lang="en-US" smtClean="0"/>
+              <a:rPr lang="en-US"/>
               <a:t>Click to edit Master title style</a:t>
             </a:r>
-            <a:endParaRPr lang="en-US"/>
           </a:p>
         </p:txBody>
       </p:sp>
@@ -1981,38 +1964,37 @@
           <a:p>
             <a:pPr lvl="0"/>
             <a:r>
-              <a:rPr lang="en-US" smtClean="0"/>
+              <a:rPr lang="en-US"/>
               <a:t>Edit Master text styles</a:t>
             </a:r>
           </a:p>
           <a:p>
             <a:pPr lvl="1"/>
             <a:r>
-              <a:rPr lang="en-US" smtClean="0"/>
+              <a:rPr lang="en-US"/>
               <a:t>Second level</a:t>
             </a:r>
           </a:p>
           <a:p>
             <a:pPr lvl="2"/>
             <a:r>
-              <a:rPr lang="en-US" smtClean="0"/>
+              <a:rPr lang="en-US"/>
               <a:t>Third level</a:t>
             </a:r>
           </a:p>
           <a:p>
             <a:pPr lvl="3"/>
             <a:r>
-              <a:rPr lang="en-US" smtClean="0"/>
+              <a:rPr lang="en-US"/>
               <a:t>Fourth level</a:t>
             </a:r>
           </a:p>
           <a:p>
             <a:pPr lvl="4"/>
             <a:r>
-              <a:rPr lang="en-US" smtClean="0"/>
+              <a:rPr lang="en-US"/>
               <a:t>Fifth level</a:t>
             </a:r>
-            <a:endParaRPr lang="en-US"/>
           </a:p>
         </p:txBody>
       </p:sp>
@@ -2075,7 +2057,7 @@
           <a:p>
             <a:pPr lvl="0"/>
             <a:r>
-              <a:rPr lang="en-US" smtClean="0"/>
+              <a:rPr lang="en-US"/>
               <a:t>Edit Master text styles</a:t>
             </a:r>
           </a:p>
@@ -2098,7 +2080,7 @@
           <a:p>
             <a:fld id="{5A27CA55-FB04-41AE-8CF2-F9DC46D86FA6}" type="datetimeFigureOut">
               <a:rPr lang="en-US" smtClean="0"/>
-              <a:t>10/18/2019</a:t>
+              <a:t>10/30/2019</a:t>
             </a:fld>
             <a:endParaRPr lang="en-US"/>
           </a:p>
@@ -2140,7 +2122,7 @@
           <a:p>
             <a:fld id="{01CB37D2-AF2B-4E2A-9BAB-CF8C26BD4435}" type="slidenum">
               <a:rPr lang="en-US" smtClean="0"/>
-              <a:t>‹#›</a:t>
+              <a:t>‹nº›</a:t>
             </a:fld>
             <a:endParaRPr lang="en-US"/>
           </a:p>
@@ -2201,10 +2183,9 @@
           </a:lstStyle>
           <a:p>
             <a:r>
-              <a:rPr lang="en-US" smtClean="0"/>
+              <a:rPr lang="en-US"/>
               <a:t>Click to edit Master title style</a:t>
             </a:r>
-            <a:endParaRPr lang="en-US"/>
           </a:p>
         </p:txBody>
       </p:sp>
@@ -2328,7 +2309,7 @@
           <a:p>
             <a:pPr lvl="0"/>
             <a:r>
-              <a:rPr lang="en-US" smtClean="0"/>
+              <a:rPr lang="en-US"/>
               <a:t>Edit Master text styles</a:t>
             </a:r>
           </a:p>
@@ -2351,7 +2332,7 @@
           <a:p>
             <a:fld id="{5A27CA55-FB04-41AE-8CF2-F9DC46D86FA6}" type="datetimeFigureOut">
               <a:rPr lang="en-US" smtClean="0"/>
-              <a:t>10/18/2019</a:t>
+              <a:t>10/30/2019</a:t>
             </a:fld>
             <a:endParaRPr lang="en-US"/>
           </a:p>
@@ -2393,7 +2374,7 @@
           <a:p>
             <a:fld id="{01CB37D2-AF2B-4E2A-9BAB-CF8C26BD4435}" type="slidenum">
               <a:rPr lang="en-US" smtClean="0"/>
-              <a:t>‹#›</a:t>
+              <a:t>‹nº›</a:t>
             </a:fld>
             <a:endParaRPr lang="en-US"/>
           </a:p>
@@ -2460,10 +2441,9 @@
           <a:lstStyle/>
           <a:p>
             <a:r>
-              <a:rPr lang="en-US" smtClean="0"/>
+              <a:rPr lang="en-US"/>
               <a:t>Click to edit Master title style</a:t>
             </a:r>
-            <a:endParaRPr lang="en-US"/>
           </a:p>
         </p:txBody>
       </p:sp>
@@ -2494,38 +2474,37 @@
           <a:p>
             <a:pPr lvl="0"/>
             <a:r>
-              <a:rPr lang="en-US" smtClean="0"/>
+              <a:rPr lang="en-US"/>
               <a:t>Edit Master text styles</a:t>
             </a:r>
           </a:p>
           <a:p>
             <a:pPr lvl="1"/>
             <a:r>
-              <a:rPr lang="en-US" smtClean="0"/>
+              <a:rPr lang="en-US"/>
               <a:t>Second level</a:t>
             </a:r>
           </a:p>
           <a:p>
             <a:pPr lvl="2"/>
             <a:r>
-              <a:rPr lang="en-US" smtClean="0"/>
+              <a:rPr lang="en-US"/>
               <a:t>Third level</a:t>
             </a:r>
           </a:p>
           <a:p>
             <a:pPr lvl="3"/>
             <a:r>
-              <a:rPr lang="en-US" smtClean="0"/>
+              <a:rPr lang="en-US"/>
               <a:t>Fourth level</a:t>
             </a:r>
           </a:p>
           <a:p>
             <a:pPr lvl="4"/>
             <a:r>
-              <a:rPr lang="en-US" smtClean="0"/>
+              <a:rPr lang="en-US"/>
               <a:t>Fifth level</a:t>
             </a:r>
-            <a:endParaRPr lang="en-US"/>
           </a:p>
         </p:txBody>
       </p:sp>
@@ -2564,7 +2543,7 @@
           <a:p>
             <a:fld id="{5A27CA55-FB04-41AE-8CF2-F9DC46D86FA6}" type="datetimeFigureOut">
               <a:rPr lang="en-US" smtClean="0"/>
-              <a:t>10/18/2019</a:t>
+              <a:t>10/30/2019</a:t>
             </a:fld>
             <a:endParaRPr lang="en-US"/>
           </a:p>
@@ -2642,7 +2621,7 @@
           <a:p>
             <a:fld id="{01CB37D2-AF2B-4E2A-9BAB-CF8C26BD4435}" type="slidenum">
               <a:rPr lang="en-US" smtClean="0"/>
-              <a:t>‹#›</a:t>
+              <a:t>‹nº›</a:t>
             </a:fld>
             <a:endParaRPr lang="en-US"/>
           </a:p>
@@ -3674,7 +3653,7 @@
           </a:lstStyle>
           <a:p>
             <a:r>
-              <a:rPr lang="pt-BR" dirty="0" smtClean="0"/>
+              <a:rPr lang="pt-BR" dirty="0"/>
               <a:t>Gestor</a:t>
             </a:r>
             <a:endParaRPr lang="en-US" dirty="0"/>
@@ -4033,12 +4012,8 @@
           <a:lstStyle/>
           <a:p>
             <a:r>
-              <a:rPr lang="pt-BR" dirty="0" smtClean="0"/>
-              <a:t>Visualizar gráficos </a:t>
-            </a:r>
-            <a:r>
-              <a:rPr lang="pt-BR" dirty="0" smtClean="0"/>
-              <a:t>e Tabelas</a:t>
+              <a:rPr lang="pt-BR" dirty="0"/>
+              <a:t>Visualizar gráficos e tabelas</a:t>
             </a:r>
             <a:endParaRPr lang="en-US" dirty="0"/>
           </a:p>
@@ -4067,12 +4042,8 @@
           <a:lstStyle/>
           <a:p>
             <a:r>
-              <a:rPr lang="pt-BR" dirty="0" smtClean="0"/>
-              <a:t>Selecionar </a:t>
-            </a:r>
-            <a:r>
-              <a:rPr lang="pt-BR" dirty="0" smtClean="0"/>
-              <a:t>período</a:t>
+              <a:rPr lang="pt-BR" dirty="0"/>
+              <a:t>Selecionar período</a:t>
             </a:r>
             <a:endParaRPr lang="en-US" dirty="0"/>
           </a:p>
@@ -4101,13 +4072,13 @@
           <a:lstStyle/>
           <a:p>
             <a:r>
-              <a:rPr lang="pt-BR" dirty="0" smtClean="0"/>
+              <a:rPr lang="pt-BR" dirty="0"/>
               <a:t>Gerar</a:t>
             </a:r>
           </a:p>
           <a:p>
             <a:r>
-              <a:rPr lang="pt-BR" dirty="0" smtClean="0"/>
+              <a:rPr lang="pt-BR" dirty="0"/>
               <a:t>relatórios</a:t>
             </a:r>
             <a:endParaRPr lang="en-US" dirty="0"/>
@@ -4167,20 +4138,8 @@
           <a:lstStyle/>
           <a:p>
             <a:r>
-              <a:rPr lang="pt-BR" dirty="0" smtClean="0"/>
-              <a:t>Visualizar </a:t>
-            </a:r>
-            <a:r>
-              <a:rPr lang="pt-BR" dirty="0" smtClean="0"/>
-              <a:t>equipes </a:t>
-            </a:r>
-            <a:r>
-              <a:rPr lang="pt-BR" dirty="0" smtClean="0"/>
-              <a:t>de todos </a:t>
-            </a:r>
-            <a:r>
-              <a:rPr lang="pt-BR" dirty="0" smtClean="0"/>
-              <a:t>gestores</a:t>
+              <a:rPr lang="pt-BR" dirty="0"/>
+              <a:t>Visualizar equipes de todos gestores</a:t>
             </a:r>
           </a:p>
           <a:p>
@@ -4241,7 +4200,7 @@
           <a:lstStyle/>
           <a:p>
             <a:r>
-              <a:rPr lang="pt-BR" dirty="0" smtClean="0"/>
+              <a:rPr lang="pt-BR" dirty="0"/>
               <a:t>Gerente</a:t>
             </a:r>
             <a:endParaRPr lang="en-US" dirty="0"/>
@@ -4312,12 +4271,8 @@
           <a:lstStyle/>
           <a:p>
             <a:r>
-              <a:rPr lang="pt-BR" dirty="0" smtClean="0"/>
-              <a:t>Selecionar </a:t>
-            </a:r>
-            <a:r>
-              <a:rPr lang="pt-BR" dirty="0" smtClean="0"/>
-              <a:t>equipe</a:t>
+              <a:rPr lang="pt-BR" dirty="0"/>
+              <a:t>Selecionar equipe</a:t>
             </a:r>
             <a:endParaRPr lang="en-US" dirty="0"/>
           </a:p>
@@ -4386,7 +4341,7 @@
           <a:lstStyle/>
           <a:p>
             <a:r>
-              <a:rPr lang="pt-BR" sz="1000" dirty="0" smtClean="0"/>
+              <a:rPr lang="pt-BR" sz="1000" dirty="0"/>
               <a:t>INCLUDED</a:t>
             </a:r>
             <a:endParaRPr lang="en-US" sz="1000" dirty="0"/>
@@ -4832,18 +4787,18 @@
 </file>
 
 <file path=customXml/item2.xml><?xml version="1.0" encoding="utf-8"?>
-<p:properties xmlns:p="http://schemas.microsoft.com/office/2006/metadata/properties" xmlns:xsi="http://www.w3.org/2001/XMLSchema-instance" xmlns:pc="http://schemas.microsoft.com/office/infopath/2007/PartnerControls">
-  <documentManagement/>
-</p:properties>
-</file>
-
-<file path=customXml/item3.xml><?xml version="1.0" encoding="utf-8"?>
 <?mso-contentType ?>
 <FormTemplates xmlns="http://schemas.microsoft.com/sharepoint/v3/contenttype/forms">
   <Display>DocumentLibraryForm</Display>
   <Edit>DocumentLibraryForm</Edit>
   <New>DocumentLibraryForm</New>
 </FormTemplates>
+</file>
+
+<file path=customXml/item3.xml><?xml version="1.0" encoding="utf-8"?>
+<p:properties xmlns:p="http://schemas.microsoft.com/office/2006/metadata/properties" xmlns:xsi="http://www.w3.org/2001/XMLSchema-instance" xmlns:pc="http://schemas.microsoft.com/office/infopath/2007/PartnerControls">
+  <documentManagement/>
+</p:properties>
 </file>
 
 <file path=customXml/itemProps1.xml><?xml version="1.0" encoding="utf-8"?>
@@ -4865,18 +4820,18 @@
 </file>
 
 <file path=customXml/itemProps2.xml><?xml version="1.0" encoding="utf-8"?>
+<ds:datastoreItem xmlns:ds="http://schemas.openxmlformats.org/officeDocument/2006/customXml" ds:itemID="{0AF1DED9-B296-4102-B2E7-6FC83118FF5F}">
+  <ds:schemaRefs>
+    <ds:schemaRef ds:uri="http://schemas.microsoft.com/sharepoint/v3/contenttype/forms"/>
+  </ds:schemaRefs>
+</ds:datastoreItem>
+</file>
+
+<file path=customXml/itemProps3.xml><?xml version="1.0" encoding="utf-8"?>
 <ds:datastoreItem xmlns:ds="http://schemas.openxmlformats.org/officeDocument/2006/customXml" ds:itemID="{201DCA8B-206E-419D-80BC-8E9AC51C4E6C}">
   <ds:schemaRefs>
     <ds:schemaRef ds:uri="http://schemas.microsoft.com/office/2006/metadata/properties"/>
     <ds:schemaRef ds:uri="http://schemas.microsoft.com/office/infopath/2007/PartnerControls"/>
   </ds:schemaRefs>
 </ds:datastoreItem>
-</file>
-
-<file path=customXml/itemProps3.xml><?xml version="1.0" encoding="utf-8"?>
-<ds:datastoreItem xmlns:ds="http://schemas.openxmlformats.org/officeDocument/2006/customXml" ds:itemID="{0AF1DED9-B296-4102-B2E7-6FC83118FF5F}">
-  <ds:schemaRefs>
-    <ds:schemaRef ds:uri="http://schemas.microsoft.com/sharepoint/v3/contenttype/forms"/>
-  </ds:schemaRefs>
-</ds:datastoreItem>
 </file>